--- a/Exercise 2/BO Group Ex2.pptx
+++ b/Exercise 2/BO Group Ex2.pptx
@@ -216,7 +216,7 @@
           <a:p>
             <a:fld id="{29EFBA6D-BD8D-4319-9B8F-54D25DEE77D2}" type="datetimeFigureOut">
               <a:rPr lang="en-CA" smtClean="0"/>
-              <a:t>2021-11-22</a:t>
+              <a:t>2021-11-25</a:t>
             </a:fld>
             <a:endParaRPr lang="en-CA"/>
           </a:p>
@@ -523,7 +523,7 @@
           <a:p>
             <a:fld id="{C10D6541-6A28-4C84-AE9F-73751BB3182A}" type="datetimeFigureOut">
               <a:rPr lang="en-CA" smtClean="0"/>
-              <a:t>2021-11-22</a:t>
+              <a:t>2021-11-25</a:t>
             </a:fld>
             <a:endParaRPr lang="en-CA"/>
           </a:p>
@@ -801,7 +801,7 @@
           <a:p>
             <a:fld id="{C10D6541-6A28-4C84-AE9F-73751BB3182A}" type="datetimeFigureOut">
               <a:rPr lang="en-CA" smtClean="0"/>
-              <a:t>2021-11-22</a:t>
+              <a:t>2021-11-25</a:t>
             </a:fld>
             <a:endParaRPr lang="en-CA"/>
           </a:p>
@@ -981,7 +981,7 @@
           <a:p>
             <a:fld id="{C10D6541-6A28-4C84-AE9F-73751BB3182A}" type="datetimeFigureOut">
               <a:rPr lang="en-CA" smtClean="0"/>
-              <a:t>2021-11-22</a:t>
+              <a:t>2021-11-25</a:t>
             </a:fld>
             <a:endParaRPr lang="en-CA"/>
           </a:p>
@@ -1156,7 +1156,7 @@
           <a:p>
             <a:fld id="{C10D6541-6A28-4C84-AE9F-73751BB3182A}" type="datetimeFigureOut">
               <a:rPr lang="en-CA" smtClean="0"/>
-              <a:t>2021-11-22</a:t>
+              <a:t>2021-11-25</a:t>
             </a:fld>
             <a:endParaRPr lang="en-CA"/>
           </a:p>
@@ -1443,7 +1443,7 @@
           <a:p>
             <a:fld id="{C10D6541-6A28-4C84-AE9F-73751BB3182A}" type="datetimeFigureOut">
               <a:rPr lang="en-CA" smtClean="0"/>
-              <a:t>2021-11-22</a:t>
+              <a:t>2021-11-25</a:t>
             </a:fld>
             <a:endParaRPr lang="en-CA"/>
           </a:p>
@@ -1767,7 +1767,7 @@
           <a:p>
             <a:fld id="{C10D6541-6A28-4C84-AE9F-73751BB3182A}" type="datetimeFigureOut">
               <a:rPr lang="en-CA" smtClean="0"/>
-              <a:t>2021-11-22</a:t>
+              <a:t>2021-11-25</a:t>
             </a:fld>
             <a:endParaRPr lang="en-CA"/>
           </a:p>
@@ -2226,7 +2226,7 @@
           <a:p>
             <a:fld id="{C10D6541-6A28-4C84-AE9F-73751BB3182A}" type="datetimeFigureOut">
               <a:rPr lang="en-CA" smtClean="0"/>
-              <a:t>2021-11-22</a:t>
+              <a:t>2021-11-25</a:t>
             </a:fld>
             <a:endParaRPr lang="en-CA"/>
           </a:p>
@@ -2431,7 +2431,7 @@
           <a:p>
             <a:fld id="{C10D6541-6A28-4C84-AE9F-73751BB3182A}" type="datetimeFigureOut">
               <a:rPr lang="en-CA" smtClean="0"/>
-              <a:t>2021-11-22</a:t>
+              <a:t>2021-11-25</a:t>
             </a:fld>
             <a:endParaRPr lang="en-CA"/>
           </a:p>
@@ -2562,7 +2562,7 @@
           <a:p>
             <a:fld id="{C10D6541-6A28-4C84-AE9F-73751BB3182A}" type="datetimeFigureOut">
               <a:rPr lang="en-CA" smtClean="0"/>
-              <a:t>2021-11-22</a:t>
+              <a:t>2021-11-25</a:t>
             </a:fld>
             <a:endParaRPr lang="en-CA"/>
           </a:p>
@@ -2839,7 +2839,7 @@
           <a:p>
             <a:fld id="{C10D6541-6A28-4C84-AE9F-73751BB3182A}" type="datetimeFigureOut">
               <a:rPr lang="en-CA" smtClean="0"/>
-              <a:t>2021-11-22</a:t>
+              <a:t>2021-11-25</a:t>
             </a:fld>
             <a:endParaRPr lang="en-CA"/>
           </a:p>
@@ -3092,7 +3092,7 @@
           <a:p>
             <a:fld id="{C10D6541-6A28-4C84-AE9F-73751BB3182A}" type="datetimeFigureOut">
               <a:rPr lang="en-CA" smtClean="0"/>
-              <a:t>2021-11-22</a:t>
+              <a:t>2021-11-25</a:t>
             </a:fld>
             <a:endParaRPr lang="en-CA"/>
           </a:p>
@@ -5457,8 +5457,19 @@
           <a:p>
             <a:r>
               <a:rPr lang="en-US" dirty="0" smtClean="0"/>
-              <a:t>LRP:</a:t>
-            </a:r>
+              <a:t>LRP</a:t>
+            </a:r>
+            <a:r>
+              <a:rPr lang="en-US" dirty="0" smtClean="0"/>
+              <a:t>:</a:t>
+            </a:r>
+          </a:p>
+          <a:p>
+            <a:r>
+              <a:rPr lang="en-US" dirty="0" smtClean="0"/>
+              <a:t>Rationale:</a:t>
+            </a:r>
+            <a:endParaRPr lang="en-US" dirty="0" smtClean="0"/>
           </a:p>
           <a:p>
             <a:r>
